--- a/mlu-mlta/Lessons/DEV_MLUMLA-EN-M1-L1.pptx
+++ b/mlu-mlta/Lessons/DEV_MLUMLA-EN-M1-L1.pptx
@@ -328,7 +328,7 @@
           <a:p>
             <a:fld id="{0260A0C7-3A55-441E-8D22-8884C64FD8C2}" type="datetimeFigureOut">
               <a:rPr lang="en-US" smtClean="0"/>
-              <a:t>5/5/25</a:t>
+              <a:t>6/16/25</a:t>
             </a:fld>
             <a:endParaRPr lang="en-US" dirty="0"/>
           </a:p>
@@ -6011,7 +6011,7 @@
           <a:p>
             <a:fld id="{6245AB84-D2CF-C74D-AC10-3AD67EDEA135}" type="datetimeFigureOut">
               <a:rPr lang="en-US" smtClean="0"/>
-              <a:t>5/5/25</a:t>
+              <a:t>6/16/25</a:t>
             </a:fld>
             <a:endParaRPr lang="en-US"/>
           </a:p>
